--- a/lectures/3/Information Systems, Dashboards & Data Analytics.pptx
+++ b/lectures/3/Information Systems, Dashboards & Data Analytics.pptx
@@ -5,10 +5,10 @@
     <p:sldMasterId id="2147483648" r:id="rId4"/>
   </p:sldMasterIdLst>
   <p:notesMasterIdLst>
-    <p:notesMasterId r:id="rId29"/>
+    <p:notesMasterId r:id="rId30"/>
   </p:notesMasterIdLst>
   <p:handoutMasterIdLst>
-    <p:handoutMasterId r:id="rId30"/>
+    <p:handoutMasterId r:id="rId31"/>
   </p:handoutMasterIdLst>
   <p:sldIdLst>
     <p:sldId id="256" r:id="rId5"/>
@@ -34,7 +34,8 @@
     <p:sldId id="278" r:id="rId25"/>
     <p:sldId id="279" r:id="rId26"/>
     <p:sldId id="258" r:id="rId27"/>
-    <p:sldId id="259" r:id="rId28"/>
+    <p:sldId id="280" r:id="rId28"/>
+    <p:sldId id="259" r:id="rId29"/>
   </p:sldIdLst>
   <p:sldSz cx="12192000" cy="6858000"/>
   <p:notesSz cx="6858000" cy="9144000"/>
@@ -238,7 +239,7 @@
           <a:p>
             <a:fld id="{73B2889B-A0AC-4482-8592-5C96F2309420}" type="datetimeFigureOut">
               <a:rPr lang="en-US" smtClean="0"/>
-              <a:t>7/3/2021</a:t>
+              <a:t>8/30/2021</a:t>
             </a:fld>
             <a:endParaRPr lang="en-US"/>
           </a:p>
@@ -415,7 +416,7 @@
           <a:p>
             <a:fld id="{830EB223-FFC0-462A-A3B8-EAA7CE0F8CBD}" type="datetimeFigureOut">
               <a:rPr lang="en-US" smtClean="0"/>
-              <a:t>7/3/2021</a:t>
+              <a:t>8/30/2021</a:t>
             </a:fld>
             <a:endParaRPr lang="en-US" dirty="0"/>
           </a:p>
@@ -1164,6 +1165,121 @@
 </p:notes>
 </file>
 
+<file path=ppt/notesSlides/notesSlide5.xml><?xml version="1.0" encoding="utf-8"?>
+<p:notes xmlns:a="http://schemas.openxmlformats.org/drawingml/2006/main" xmlns:r="http://schemas.openxmlformats.org/officeDocument/2006/relationships" xmlns:p="http://schemas.openxmlformats.org/presentationml/2006/main">
+  <p:cSld>
+    <p:spTree>
+      <p:nvGrpSpPr>
+        <p:cNvPr id="1" name=""/>
+        <p:cNvGrpSpPr/>
+        <p:nvPr/>
+      </p:nvGrpSpPr>
+      <p:grpSpPr>
+        <a:xfrm>
+          <a:off x="0" y="0"/>
+          <a:ext cx="0" cy="0"/>
+          <a:chOff x="0" y="0"/>
+          <a:chExt cx="0" cy="0"/>
+        </a:xfrm>
+      </p:grpSpPr>
+      <p:sp>
+        <p:nvSpPr>
+          <p:cNvPr id="2" name="Slide Image Placeholder 1"/>
+          <p:cNvSpPr>
+            <a:spLocks noGrp="1" noRot="1" noChangeAspect="1"/>
+          </p:cNvSpPr>
+          <p:nvPr>
+            <p:ph type="sldImg"/>
+          </p:nvPr>
+        </p:nvSpPr>
+        <p:spPr/>
+      </p:sp>
+      <p:sp>
+        <p:nvSpPr>
+          <p:cNvPr id="3" name="Notes Placeholder 2"/>
+          <p:cNvSpPr>
+            <a:spLocks noGrp="1"/>
+          </p:cNvSpPr>
+          <p:nvPr>
+            <p:ph type="body" idx="1"/>
+          </p:nvPr>
+        </p:nvSpPr>
+        <p:spPr/>
+        <p:txBody>
+          <a:bodyPr/>
+          <a:lstStyle/>
+          <a:p>
+            <a:r>
+              <a:rPr lang="en-US" dirty="0"/>
+              <a:t>What could be the potential causes that a restaurant is having a gradual sales decline? Pick a specific method and consider the probable cause</a:t>
+            </a:r>
+          </a:p>
+          <a:p>
+            <a:endParaRPr lang="en-US" dirty="0"/>
+          </a:p>
+        </p:txBody>
+      </p:sp>
+      <p:sp>
+        <p:nvSpPr>
+          <p:cNvPr id="4" name="Slide Number Placeholder 3"/>
+          <p:cNvSpPr>
+            <a:spLocks noGrp="1"/>
+          </p:cNvSpPr>
+          <p:nvPr>
+            <p:ph type="sldNum" sz="quarter" idx="5"/>
+          </p:nvPr>
+        </p:nvSpPr>
+        <p:spPr/>
+        <p:txBody>
+          <a:bodyPr/>
+          <a:lstStyle/>
+          <a:p>
+            <a:fld id="{BC849E9A-41F7-4779-A581-48A7C374A227}" type="slidenum">
+              <a:rPr lang="en-US" smtClean="0"/>
+              <a:t>24</a:t>
+            </a:fld>
+            <a:endParaRPr lang="en-US" dirty="0"/>
+          </a:p>
+        </p:txBody>
+      </p:sp>
+      <p:sp>
+        <p:nvSpPr>
+          <p:cNvPr id="5" name="Footer Placeholder 4">
+            <a:extLst>
+              <a:ext uri="{FF2B5EF4-FFF2-40B4-BE49-F238E27FC236}">
+                <a16:creationId xmlns:a16="http://schemas.microsoft.com/office/drawing/2014/main" id="{12D7A73B-C46B-4D3E-AEFF-0CFB866A6E45}"/>
+              </a:ext>
+            </a:extLst>
+          </p:cNvPr>
+          <p:cNvSpPr>
+            <a:spLocks noGrp="1"/>
+          </p:cNvSpPr>
+          <p:nvPr>
+            <p:ph type="ftr" sz="quarter" idx="4"/>
+          </p:nvPr>
+        </p:nvSpPr>
+        <p:spPr/>
+        <p:txBody>
+          <a:bodyPr/>
+          <a:lstStyle/>
+          <a:p>
+            <a:endParaRPr lang="en-US" dirty="0"/>
+          </a:p>
+        </p:txBody>
+      </p:sp>
+    </p:spTree>
+    <p:extLst>
+      <p:ext uri="{BB962C8B-B14F-4D97-AF65-F5344CB8AC3E}">
+        <p14:creationId xmlns:p14="http://schemas.microsoft.com/office/powerpoint/2010/main" val="1293393342"/>
+      </p:ext>
+    </p:extLst>
+  </p:cSld>
+  <p:clrMapOvr>
+    <a:masterClrMapping/>
+  </p:clrMapOvr>
+</p:notes>
+</file>
+
 <file path=ppt/slideLayouts/slideLayout1.xml><?xml version="1.0" encoding="utf-8"?>
 <p:sldLayout xmlns:a="http://schemas.openxmlformats.org/drawingml/2006/main" xmlns:r="http://schemas.openxmlformats.org/officeDocument/2006/relationships" xmlns:p="http://schemas.openxmlformats.org/presentationml/2006/main" type="title" preserve="1">
   <p:cSld name="Title Slide">
@@ -1311,7 +1427,7 @@
           <a:p>
             <a:fld id="{DECF21A4-E71B-4D3A-AF45-E989C23A7BB1}" type="datetimeFigureOut">
               <a:rPr lang="en-US" smtClean="0"/>
-              <a:t>7/3/2021</a:t>
+              <a:t>8/30/2021</a:t>
             </a:fld>
             <a:endParaRPr lang="en-US" dirty="0"/>
           </a:p>
@@ -1509,7 +1625,7 @@
           <a:p>
             <a:fld id="{DECF21A4-E71B-4D3A-AF45-E989C23A7BB1}" type="datetimeFigureOut">
               <a:rPr lang="en-US" smtClean="0"/>
-              <a:t>7/3/2021</a:t>
+              <a:t>8/30/2021</a:t>
             </a:fld>
             <a:endParaRPr lang="en-US" dirty="0"/>
           </a:p>
@@ -1717,7 +1833,7 @@
           <a:p>
             <a:fld id="{DECF21A4-E71B-4D3A-AF45-E989C23A7BB1}" type="datetimeFigureOut">
               <a:rPr lang="en-US" smtClean="0"/>
-              <a:t>7/3/2021</a:t>
+              <a:t>8/30/2021</a:t>
             </a:fld>
             <a:endParaRPr lang="en-US" dirty="0"/>
           </a:p>
@@ -1915,7 +2031,7 @@
           <a:p>
             <a:fld id="{DECF21A4-E71B-4D3A-AF45-E989C23A7BB1}" type="datetimeFigureOut">
               <a:rPr lang="en-US" smtClean="0"/>
-              <a:t>7/3/2021</a:t>
+              <a:t>8/30/2021</a:t>
             </a:fld>
             <a:endParaRPr lang="en-US" dirty="0"/>
           </a:p>
@@ -2190,7 +2306,7 @@
           <a:p>
             <a:fld id="{DECF21A4-E71B-4D3A-AF45-E989C23A7BB1}" type="datetimeFigureOut">
               <a:rPr lang="en-US" smtClean="0"/>
-              <a:t>7/3/2021</a:t>
+              <a:t>8/30/2021</a:t>
             </a:fld>
             <a:endParaRPr lang="en-US" dirty="0"/>
           </a:p>
@@ -2455,7 +2571,7 @@
           <a:p>
             <a:fld id="{DECF21A4-E71B-4D3A-AF45-E989C23A7BB1}" type="datetimeFigureOut">
               <a:rPr lang="en-US" smtClean="0"/>
-              <a:t>7/3/2021</a:t>
+              <a:t>8/30/2021</a:t>
             </a:fld>
             <a:endParaRPr lang="en-US" dirty="0"/>
           </a:p>
@@ -2867,7 +2983,7 @@
           <a:p>
             <a:fld id="{DECF21A4-E71B-4D3A-AF45-E989C23A7BB1}" type="datetimeFigureOut">
               <a:rPr lang="en-US" smtClean="0"/>
-              <a:t>7/3/2021</a:t>
+              <a:t>8/30/2021</a:t>
             </a:fld>
             <a:endParaRPr lang="en-US" dirty="0"/>
           </a:p>
@@ -3008,7 +3124,7 @@
           <a:p>
             <a:fld id="{DECF21A4-E71B-4D3A-AF45-E989C23A7BB1}" type="datetimeFigureOut">
               <a:rPr lang="en-US" smtClean="0"/>
-              <a:t>7/3/2021</a:t>
+              <a:t>8/30/2021</a:t>
             </a:fld>
             <a:endParaRPr lang="en-US" dirty="0"/>
           </a:p>
@@ -3121,7 +3237,7 @@
           <a:p>
             <a:fld id="{DECF21A4-E71B-4D3A-AF45-E989C23A7BB1}" type="datetimeFigureOut">
               <a:rPr lang="en-US" smtClean="0"/>
-              <a:t>7/3/2021</a:t>
+              <a:t>8/30/2021</a:t>
             </a:fld>
             <a:endParaRPr lang="en-US" dirty="0"/>
           </a:p>
@@ -3432,7 +3548,7 @@
           <a:p>
             <a:fld id="{DECF21A4-E71B-4D3A-AF45-E989C23A7BB1}" type="datetimeFigureOut">
               <a:rPr lang="en-US" smtClean="0"/>
-              <a:t>7/3/2021</a:t>
+              <a:t>8/30/2021</a:t>
             </a:fld>
             <a:endParaRPr lang="en-US" dirty="0"/>
           </a:p>
@@ -3724,7 +3840,7 @@
           <a:p>
             <a:fld id="{DECF21A4-E71B-4D3A-AF45-E989C23A7BB1}" type="datetimeFigureOut">
               <a:rPr lang="en-US" smtClean="0"/>
-              <a:t>7/3/2021</a:t>
+              <a:t>8/30/2021</a:t>
             </a:fld>
             <a:endParaRPr lang="en-US" dirty="0"/>
           </a:p>
@@ -3965,7 +4081,7 @@
           <a:p>
             <a:fld id="{DECF21A4-E71B-4D3A-AF45-E989C23A7BB1}" type="datetimeFigureOut">
               <a:rPr lang="en-US" smtClean="0"/>
-              <a:t>7/3/2021</a:t>
+              <a:t>8/30/2021</a:t>
             </a:fld>
             <a:endParaRPr lang="en-US" dirty="0"/>
           </a:p>
@@ -7430,6 +7546,1047 @@
 </file>
 
 <file path=ppt/slides/slide24.xml><?xml version="1.0" encoding="utf-8"?>
+<p:sld xmlns:a="http://schemas.openxmlformats.org/drawingml/2006/main" xmlns:r="http://schemas.openxmlformats.org/officeDocument/2006/relationships" xmlns:p="http://schemas.openxmlformats.org/presentationml/2006/main">
+  <p:cSld>
+    <p:bg>
+      <p:bgPr>
+        <a:solidFill>
+          <a:schemeClr val="bg1"/>
+        </a:solidFill>
+        <a:effectLst/>
+      </p:bgPr>
+    </p:bg>
+    <p:spTree>
+      <p:nvGrpSpPr>
+        <p:cNvPr id="1" name=""/>
+        <p:cNvGrpSpPr/>
+        <p:nvPr/>
+      </p:nvGrpSpPr>
+      <p:grpSpPr>
+        <a:xfrm>
+          <a:off x="0" y="0"/>
+          <a:ext cx="0" cy="0"/>
+          <a:chOff x="0" y="0"/>
+          <a:chExt cx="0" cy="0"/>
+        </a:xfrm>
+      </p:grpSpPr>
+      <p:sp useBgFill="1">
+        <p:nvSpPr>
+          <p:cNvPr id="23" name="Rectangle 22">
+            <a:extLst>
+              <a:ext uri="{FF2B5EF4-FFF2-40B4-BE49-F238E27FC236}">
+                <a16:creationId xmlns:a16="http://schemas.microsoft.com/office/drawing/2014/main" id="{33CD251C-A887-4D2F-925B-FC097198538B}"/>
+              </a:ext>
+              <a:ext uri="{C183D7F6-B498-43B3-948B-1728B52AA6E4}">
+                <adec:decorative xmlns:adec="http://schemas.microsoft.com/office/drawing/2017/decorative" val="1"/>
+              </a:ext>
+            </a:extLst>
+          </p:cNvPr>
+          <p:cNvSpPr>
+            <a:spLocks noGrp="1" noRot="1" noChangeAspect="1" noMove="1" noResize="1" noEditPoints="1" noAdjustHandles="1" noChangeArrowheads="1" noChangeShapeType="1" noTextEdit="1"/>
+          </p:cNvSpPr>
+          <p:nvPr>
+            <p:extLst>
+              <p:ext uri="{386F3935-93C4-4BCD-93E2-E3B085C9AB24}">
+                <p16:designElem xmlns:p16="http://schemas.microsoft.com/office/powerpoint/2015/main" val="1"/>
+              </p:ext>
+            </p:extLst>
+          </p:nvPr>
+        </p:nvSpPr>
+        <p:spPr>
+          <a:xfrm>
+            <a:off x="0" y="0"/>
+            <a:ext cx="12192000" cy="6858000"/>
+          </a:xfrm>
+          <a:prstGeom prst="rect">
+            <a:avLst/>
+          </a:prstGeom>
+          <a:ln>
+            <a:noFill/>
+          </a:ln>
+        </p:spPr>
+        <p:style>
+          <a:lnRef idx="2">
+            <a:schemeClr val="accent1">
+              <a:shade val="50000"/>
+            </a:schemeClr>
+          </a:lnRef>
+          <a:fillRef idx="1">
+            <a:schemeClr val="accent1"/>
+          </a:fillRef>
+          <a:effectRef idx="0">
+            <a:schemeClr val="accent1"/>
+          </a:effectRef>
+          <a:fontRef idx="minor">
+            <a:schemeClr val="lt1"/>
+          </a:fontRef>
+        </p:style>
+        <p:txBody>
+          <a:bodyPr rtlCol="0" anchor="ctr"/>
+          <a:lstStyle/>
+          <a:p>
+            <a:pPr algn="ctr"/>
+            <a:endParaRPr lang="en-US"/>
+          </a:p>
+        </p:txBody>
+      </p:sp>
+      <p:sp>
+        <p:nvSpPr>
+          <p:cNvPr id="25" name="Rectangle 24">
+            <a:extLst>
+              <a:ext uri="{FF2B5EF4-FFF2-40B4-BE49-F238E27FC236}">
+                <a16:creationId xmlns:a16="http://schemas.microsoft.com/office/drawing/2014/main" id="{B19D093C-27FB-4032-B282-42C4563F257C}"/>
+              </a:ext>
+              <a:ext uri="{C183D7F6-B498-43B3-948B-1728B52AA6E4}">
+                <adec:decorative xmlns:adec="http://schemas.microsoft.com/office/drawing/2017/decorative" val="1"/>
+              </a:ext>
+            </a:extLst>
+          </p:cNvPr>
+          <p:cNvSpPr>
+            <a:spLocks noGrp="1" noRot="1" noChangeAspect="1" noMove="1" noResize="1" noEditPoints="1" noAdjustHandles="1" noChangeArrowheads="1" noChangeShapeType="1" noTextEdit="1"/>
+          </p:cNvSpPr>
+          <p:nvPr>
+            <p:extLst>
+              <p:ext uri="{386F3935-93C4-4BCD-93E2-E3B085C9AB24}">
+                <p16:designElem xmlns:p16="http://schemas.microsoft.com/office/powerpoint/2015/main" val="1"/>
+              </p:ext>
+            </p:extLst>
+          </p:nvPr>
+        </p:nvSpPr>
+        <p:spPr>
+          <a:xfrm>
+            <a:off x="0" y="0"/>
+            <a:ext cx="4694548" cy="6858000"/>
+          </a:xfrm>
+          <a:prstGeom prst="rect">
+            <a:avLst/>
+          </a:prstGeom>
+          <a:solidFill>
+            <a:schemeClr val="tx1"/>
+          </a:solidFill>
+          <a:ln>
+            <a:noFill/>
+          </a:ln>
+        </p:spPr>
+        <p:style>
+          <a:lnRef idx="2">
+            <a:schemeClr val="accent1">
+              <a:shade val="50000"/>
+            </a:schemeClr>
+          </a:lnRef>
+          <a:fillRef idx="1">
+            <a:schemeClr val="accent1"/>
+          </a:fillRef>
+          <a:effectRef idx="0">
+            <a:schemeClr val="accent1"/>
+          </a:effectRef>
+          <a:fontRef idx="minor">
+            <a:schemeClr val="lt1"/>
+          </a:fontRef>
+        </p:style>
+        <p:txBody>
+          <a:bodyPr rtlCol="0" anchor="ctr"/>
+          <a:lstStyle/>
+          <a:p>
+            <a:pPr algn="ctr"/>
+            <a:endParaRPr lang="en-US"/>
+          </a:p>
+        </p:txBody>
+      </p:sp>
+      <p:sp>
+        <p:nvSpPr>
+          <p:cNvPr id="2" name="Title 1">
+            <a:extLst>
+              <a:ext uri="{FF2B5EF4-FFF2-40B4-BE49-F238E27FC236}">
+                <a16:creationId xmlns:a16="http://schemas.microsoft.com/office/drawing/2014/main" id="{2C185429-2B4F-42CA-A6D7-ABBD70E575FB}"/>
+              </a:ext>
+            </a:extLst>
+          </p:cNvPr>
+          <p:cNvSpPr>
+            <a:spLocks noGrp="1"/>
+          </p:cNvSpPr>
+          <p:nvPr>
+            <p:ph type="title"/>
+          </p:nvPr>
+        </p:nvSpPr>
+        <p:spPr>
+          <a:xfrm>
+            <a:off x="767290" y="1780661"/>
+            <a:ext cx="3582073" cy="1463472"/>
+          </a:xfrm>
+        </p:spPr>
+        <p:txBody>
+          <a:bodyPr vert="horz" lIns="91440" tIns="45720" rIns="91440" bIns="45720" rtlCol="0" anchor="t">
+            <a:normAutofit/>
+          </a:bodyPr>
+          <a:lstStyle/>
+          <a:p>
+            <a:r>
+              <a:rPr lang="en-US" sz="4800" kern="1200">
+                <a:solidFill>
+                  <a:schemeClr val="bg1"/>
+                </a:solidFill>
+                <a:latin typeface="+mj-lt"/>
+                <a:ea typeface="+mj-ea"/>
+                <a:cs typeface="+mj-cs"/>
+              </a:rPr>
+              <a:t>Discussion Case #2</a:t>
+            </a:r>
+          </a:p>
+        </p:txBody>
+      </p:sp>
+      <p:grpSp>
+        <p:nvGrpSpPr>
+          <p:cNvPr id="27" name="Group 26">
+            <a:extLst>
+              <a:ext uri="{FF2B5EF4-FFF2-40B4-BE49-F238E27FC236}">
+                <a16:creationId xmlns:a16="http://schemas.microsoft.com/office/drawing/2014/main" id="{35EE815E-1BD3-4777-B652-6D98825BF66B}"/>
+              </a:ext>
+              <a:ext uri="{C183D7F6-B498-43B3-948B-1728B52AA6E4}">
+                <adec:decorative xmlns:adec="http://schemas.microsoft.com/office/drawing/2017/decorative" val="1"/>
+              </a:ext>
+            </a:extLst>
+          </p:cNvPr>
+          <p:cNvGrpSpPr>
+            <a:grpSpLocks noGrp="1" noUngrp="1" noRot="1" noChangeAspect="1" noMove="1" noResize="1"/>
+          </p:cNvGrpSpPr>
+          <p:nvPr>
+            <p:extLst>
+              <p:ext uri="{386F3935-93C4-4BCD-93E2-E3B085C9AB24}">
+                <p16:designElem xmlns:p16="http://schemas.microsoft.com/office/powerpoint/2015/main" val="1"/>
+              </p:ext>
+            </p:extLst>
+          </p:nvPr>
+        </p:nvGrpSpPr>
+        <p:grpSpPr>
+          <a:xfrm>
+            <a:off x="767290" y="681628"/>
+            <a:ext cx="1128382" cy="847206"/>
+            <a:chOff x="668003" y="1684057"/>
+            <a:chExt cx="1128382" cy="847206"/>
+          </a:xfrm>
+        </p:grpSpPr>
+        <p:sp>
+          <p:nvSpPr>
+            <p:cNvPr id="28" name="Freeform 5">
+              <a:extLst>
+                <a:ext uri="{FF2B5EF4-FFF2-40B4-BE49-F238E27FC236}">
+                  <a16:creationId xmlns:a16="http://schemas.microsoft.com/office/drawing/2014/main" id="{E6692982-4A7D-4392-87CD-F0CD4B027DDE}"/>
+                </a:ext>
+                <a:ext uri="{C183D7F6-B498-43B3-948B-1728B52AA6E4}">
+                  <adec:decorative xmlns:adec="http://schemas.microsoft.com/office/drawing/2017/decorative" val="1"/>
+                </a:ext>
+              </a:extLst>
+            </p:cNvPr>
+            <p:cNvSpPr>
+              <a:spLocks/>
+            </p:cNvSpPr>
+            <p:nvPr>
+              <p:extLst>
+                <p:ext uri="{386F3935-93C4-4BCD-93E2-E3B085C9AB24}">
+                  <p16:designElem xmlns:p16="http://schemas.microsoft.com/office/powerpoint/2015/main" val="1"/>
+                </p:ext>
+              </p:extLst>
+            </p:nvPr>
+          </p:nvSpPr>
+          <p:spPr bwMode="auto">
+            <a:xfrm>
+              <a:off x="668003" y="1935883"/>
+              <a:ext cx="675351" cy="595380"/>
+            </a:xfrm>
+            <a:custGeom>
+              <a:avLst/>
+              <a:gdLst>
+                <a:gd name="T0" fmla="*/ 225 w 785"/>
+                <a:gd name="T1" fmla="*/ 692 h 692"/>
+                <a:gd name="T2" fmla="*/ 177 w 785"/>
+                <a:gd name="T3" fmla="*/ 665 h 692"/>
+                <a:gd name="T4" fmla="*/ 9 w 785"/>
+                <a:gd name="T5" fmla="*/ 374 h 692"/>
+                <a:gd name="T6" fmla="*/ 9 w 785"/>
+                <a:gd name="T7" fmla="*/ 318 h 692"/>
+                <a:gd name="T8" fmla="*/ 177 w 785"/>
+                <a:gd name="T9" fmla="*/ 27 h 692"/>
+                <a:gd name="T10" fmla="*/ 225 w 785"/>
+                <a:gd name="T11" fmla="*/ 0 h 692"/>
+                <a:gd name="T12" fmla="*/ 561 w 785"/>
+                <a:gd name="T13" fmla="*/ 0 h 692"/>
+                <a:gd name="T14" fmla="*/ 609 w 785"/>
+                <a:gd name="T15" fmla="*/ 27 h 692"/>
+                <a:gd name="T16" fmla="*/ 777 w 785"/>
+                <a:gd name="T17" fmla="*/ 318 h 692"/>
+                <a:gd name="T18" fmla="*/ 777 w 785"/>
+                <a:gd name="T19" fmla="*/ 374 h 692"/>
+                <a:gd name="T20" fmla="*/ 609 w 785"/>
+                <a:gd name="T21" fmla="*/ 665 h 692"/>
+                <a:gd name="T22" fmla="*/ 561 w 785"/>
+                <a:gd name="T23" fmla="*/ 692 h 692"/>
+                <a:gd name="T24" fmla="*/ 225 w 785"/>
+                <a:gd name="T25" fmla="*/ 692 h 692"/>
+              </a:gdLst>
+              <a:ahLst/>
+              <a:cxnLst>
+                <a:cxn ang="0">
+                  <a:pos x="T0" y="T1"/>
+                </a:cxn>
+                <a:cxn ang="0">
+                  <a:pos x="T2" y="T3"/>
+                </a:cxn>
+                <a:cxn ang="0">
+                  <a:pos x="T4" y="T5"/>
+                </a:cxn>
+                <a:cxn ang="0">
+                  <a:pos x="T6" y="T7"/>
+                </a:cxn>
+                <a:cxn ang="0">
+                  <a:pos x="T8" y="T9"/>
+                </a:cxn>
+                <a:cxn ang="0">
+                  <a:pos x="T10" y="T11"/>
+                </a:cxn>
+                <a:cxn ang="0">
+                  <a:pos x="T12" y="T13"/>
+                </a:cxn>
+                <a:cxn ang="0">
+                  <a:pos x="T14" y="T15"/>
+                </a:cxn>
+                <a:cxn ang="0">
+                  <a:pos x="T16" y="T17"/>
+                </a:cxn>
+                <a:cxn ang="0">
+                  <a:pos x="T18" y="T19"/>
+                </a:cxn>
+                <a:cxn ang="0">
+                  <a:pos x="T20" y="T21"/>
+                </a:cxn>
+                <a:cxn ang="0">
+                  <a:pos x="T22" y="T23"/>
+                </a:cxn>
+                <a:cxn ang="0">
+                  <a:pos x="T24" y="T25"/>
+                </a:cxn>
+              </a:cxnLst>
+              <a:rect l="0" t="0" r="r" b="b"/>
+              <a:pathLst>
+                <a:path w="785" h="692">
+                  <a:moveTo>
+                    <a:pt x="225" y="692"/>
+                  </a:moveTo>
+                  <a:cubicBezTo>
+                    <a:pt x="207" y="692"/>
+                    <a:pt x="185" y="680"/>
+                    <a:pt x="177" y="665"/>
+                  </a:cubicBezTo>
+                  <a:cubicBezTo>
+                    <a:pt x="9" y="374"/>
+                    <a:pt x="9" y="374"/>
+                    <a:pt x="9" y="374"/>
+                  </a:cubicBezTo>
+                  <a:cubicBezTo>
+                    <a:pt x="0" y="358"/>
+                    <a:pt x="0" y="334"/>
+                    <a:pt x="9" y="318"/>
+                  </a:cubicBezTo>
+                  <a:cubicBezTo>
+                    <a:pt x="177" y="27"/>
+                    <a:pt x="177" y="27"/>
+                    <a:pt x="177" y="27"/>
+                  </a:cubicBezTo>
+                  <a:cubicBezTo>
+                    <a:pt x="185" y="12"/>
+                    <a:pt x="207" y="0"/>
+                    <a:pt x="225" y="0"/>
+                  </a:cubicBezTo>
+                  <a:cubicBezTo>
+                    <a:pt x="561" y="0"/>
+                    <a:pt x="561" y="0"/>
+                    <a:pt x="561" y="0"/>
+                  </a:cubicBezTo>
+                  <a:cubicBezTo>
+                    <a:pt x="578" y="0"/>
+                    <a:pt x="600" y="12"/>
+                    <a:pt x="609" y="27"/>
+                  </a:cubicBezTo>
+                  <a:cubicBezTo>
+                    <a:pt x="777" y="318"/>
+                    <a:pt x="777" y="318"/>
+                    <a:pt x="777" y="318"/>
+                  </a:cubicBezTo>
+                  <a:cubicBezTo>
+                    <a:pt x="785" y="334"/>
+                    <a:pt x="785" y="358"/>
+                    <a:pt x="777" y="374"/>
+                  </a:cubicBezTo>
+                  <a:cubicBezTo>
+                    <a:pt x="609" y="665"/>
+                    <a:pt x="609" y="665"/>
+                    <a:pt x="609" y="665"/>
+                  </a:cubicBezTo>
+                  <a:cubicBezTo>
+                    <a:pt x="600" y="680"/>
+                    <a:pt x="578" y="692"/>
+                    <a:pt x="561" y="692"/>
+                  </a:cubicBezTo>
+                  <a:lnTo>
+                    <a:pt x="225" y="692"/>
+                  </a:lnTo>
+                  <a:close/>
+                </a:path>
+              </a:pathLst>
+            </a:custGeom>
+            <a:noFill/>
+            <a:ln w="28575" cmpd="sng">
+              <a:solidFill>
+                <a:schemeClr val="bg1"/>
+              </a:solidFill>
+            </a:ln>
+          </p:spPr>
+          <p:txBody>
+            <a:bodyPr vert="horz" wrap="square" lIns="91440" tIns="45720" rIns="91440" bIns="45720" numCol="1" anchor="t" anchorCtr="0" compatLnSpc="1">
+              <a:prstTxWarp prst="textNoShape">
+                <a:avLst/>
+              </a:prstTxWarp>
+            </a:bodyPr>
+            <a:lstStyle/>
+            <a:p>
+              <a:endParaRPr lang="en-US"/>
+            </a:p>
+          </p:txBody>
+        </p:sp>
+        <p:sp>
+          <p:nvSpPr>
+            <p:cNvPr id="29" name="Freeform 5">
+              <a:extLst>
+                <a:ext uri="{FF2B5EF4-FFF2-40B4-BE49-F238E27FC236}">
+                  <a16:creationId xmlns:a16="http://schemas.microsoft.com/office/drawing/2014/main" id="{196485F7-F277-4123-AC53-98EA4C858774}"/>
+                </a:ext>
+                <a:ext uri="{C183D7F6-B498-43B3-948B-1728B52AA6E4}">
+                  <adec:decorative xmlns:adec="http://schemas.microsoft.com/office/drawing/2017/decorative" val="1"/>
+                </a:ext>
+              </a:extLst>
+            </p:cNvPr>
+            <p:cNvSpPr>
+              <a:spLocks/>
+            </p:cNvSpPr>
+            <p:nvPr>
+              <p:extLst>
+                <p:ext uri="{386F3935-93C4-4BCD-93E2-E3B085C9AB24}">
+                  <p16:designElem xmlns:p16="http://schemas.microsoft.com/office/powerpoint/2015/main" val="1"/>
+                </p:ext>
+              </p:extLst>
+            </p:nvPr>
+          </p:nvSpPr>
+          <p:spPr bwMode="auto">
+            <a:xfrm>
+              <a:off x="1245893" y="1684057"/>
+              <a:ext cx="550492" cy="485306"/>
+            </a:xfrm>
+            <a:custGeom>
+              <a:avLst/>
+              <a:gdLst>
+                <a:gd name="T0" fmla="*/ 225 w 785"/>
+                <a:gd name="T1" fmla="*/ 692 h 692"/>
+                <a:gd name="T2" fmla="*/ 177 w 785"/>
+                <a:gd name="T3" fmla="*/ 665 h 692"/>
+                <a:gd name="T4" fmla="*/ 9 w 785"/>
+                <a:gd name="T5" fmla="*/ 374 h 692"/>
+                <a:gd name="T6" fmla="*/ 9 w 785"/>
+                <a:gd name="T7" fmla="*/ 318 h 692"/>
+                <a:gd name="T8" fmla="*/ 177 w 785"/>
+                <a:gd name="T9" fmla="*/ 27 h 692"/>
+                <a:gd name="T10" fmla="*/ 225 w 785"/>
+                <a:gd name="T11" fmla="*/ 0 h 692"/>
+                <a:gd name="T12" fmla="*/ 561 w 785"/>
+                <a:gd name="T13" fmla="*/ 0 h 692"/>
+                <a:gd name="T14" fmla="*/ 609 w 785"/>
+                <a:gd name="T15" fmla="*/ 27 h 692"/>
+                <a:gd name="T16" fmla="*/ 777 w 785"/>
+                <a:gd name="T17" fmla="*/ 318 h 692"/>
+                <a:gd name="T18" fmla="*/ 777 w 785"/>
+                <a:gd name="T19" fmla="*/ 374 h 692"/>
+                <a:gd name="T20" fmla="*/ 609 w 785"/>
+                <a:gd name="T21" fmla="*/ 665 h 692"/>
+                <a:gd name="T22" fmla="*/ 561 w 785"/>
+                <a:gd name="T23" fmla="*/ 692 h 692"/>
+                <a:gd name="T24" fmla="*/ 225 w 785"/>
+                <a:gd name="T25" fmla="*/ 692 h 692"/>
+              </a:gdLst>
+              <a:ahLst/>
+              <a:cxnLst>
+                <a:cxn ang="0">
+                  <a:pos x="T0" y="T1"/>
+                </a:cxn>
+                <a:cxn ang="0">
+                  <a:pos x="T2" y="T3"/>
+                </a:cxn>
+                <a:cxn ang="0">
+                  <a:pos x="T4" y="T5"/>
+                </a:cxn>
+                <a:cxn ang="0">
+                  <a:pos x="T6" y="T7"/>
+                </a:cxn>
+                <a:cxn ang="0">
+                  <a:pos x="T8" y="T9"/>
+                </a:cxn>
+                <a:cxn ang="0">
+                  <a:pos x="T10" y="T11"/>
+                </a:cxn>
+                <a:cxn ang="0">
+                  <a:pos x="T12" y="T13"/>
+                </a:cxn>
+                <a:cxn ang="0">
+                  <a:pos x="T14" y="T15"/>
+                </a:cxn>
+                <a:cxn ang="0">
+                  <a:pos x="T16" y="T17"/>
+                </a:cxn>
+                <a:cxn ang="0">
+                  <a:pos x="T18" y="T19"/>
+                </a:cxn>
+                <a:cxn ang="0">
+                  <a:pos x="T20" y="T21"/>
+                </a:cxn>
+                <a:cxn ang="0">
+                  <a:pos x="T22" y="T23"/>
+                </a:cxn>
+                <a:cxn ang="0">
+                  <a:pos x="T24" y="T25"/>
+                </a:cxn>
+              </a:cxnLst>
+              <a:rect l="0" t="0" r="r" b="b"/>
+              <a:pathLst>
+                <a:path w="785" h="692">
+                  <a:moveTo>
+                    <a:pt x="225" y="692"/>
+                  </a:moveTo>
+                  <a:cubicBezTo>
+                    <a:pt x="207" y="692"/>
+                    <a:pt x="185" y="680"/>
+                    <a:pt x="177" y="665"/>
+                  </a:cubicBezTo>
+                  <a:cubicBezTo>
+                    <a:pt x="9" y="374"/>
+                    <a:pt x="9" y="374"/>
+                    <a:pt x="9" y="374"/>
+                  </a:cubicBezTo>
+                  <a:cubicBezTo>
+                    <a:pt x="0" y="358"/>
+                    <a:pt x="0" y="334"/>
+                    <a:pt x="9" y="318"/>
+                  </a:cubicBezTo>
+                  <a:cubicBezTo>
+                    <a:pt x="177" y="27"/>
+                    <a:pt x="177" y="27"/>
+                    <a:pt x="177" y="27"/>
+                  </a:cubicBezTo>
+                  <a:cubicBezTo>
+                    <a:pt x="185" y="12"/>
+                    <a:pt x="207" y="0"/>
+                    <a:pt x="225" y="0"/>
+                  </a:cubicBezTo>
+                  <a:cubicBezTo>
+                    <a:pt x="561" y="0"/>
+                    <a:pt x="561" y="0"/>
+                    <a:pt x="561" y="0"/>
+                  </a:cubicBezTo>
+                  <a:cubicBezTo>
+                    <a:pt x="578" y="0"/>
+                    <a:pt x="600" y="12"/>
+                    <a:pt x="609" y="27"/>
+                  </a:cubicBezTo>
+                  <a:cubicBezTo>
+                    <a:pt x="777" y="318"/>
+                    <a:pt x="777" y="318"/>
+                    <a:pt x="777" y="318"/>
+                  </a:cubicBezTo>
+                  <a:cubicBezTo>
+                    <a:pt x="785" y="334"/>
+                    <a:pt x="785" y="358"/>
+                    <a:pt x="777" y="374"/>
+                  </a:cubicBezTo>
+                  <a:cubicBezTo>
+                    <a:pt x="609" y="665"/>
+                    <a:pt x="609" y="665"/>
+                    <a:pt x="609" y="665"/>
+                  </a:cubicBezTo>
+                  <a:cubicBezTo>
+                    <a:pt x="600" y="680"/>
+                    <a:pt x="578" y="692"/>
+                    <a:pt x="561" y="692"/>
+                  </a:cubicBezTo>
+                  <a:lnTo>
+                    <a:pt x="225" y="692"/>
+                  </a:lnTo>
+                  <a:close/>
+                </a:path>
+              </a:pathLst>
+            </a:custGeom>
+            <a:noFill/>
+            <a:ln w="28575" cmpd="sng">
+              <a:solidFill>
+                <a:schemeClr val="bg1"/>
+              </a:solidFill>
+            </a:ln>
+          </p:spPr>
+          <p:txBody>
+            <a:bodyPr vert="horz" wrap="square" lIns="91440" tIns="45720" rIns="91440" bIns="45720" numCol="1" anchor="t" anchorCtr="0" compatLnSpc="1">
+              <a:prstTxWarp prst="textNoShape">
+                <a:avLst/>
+              </a:prstTxWarp>
+            </a:bodyPr>
+            <a:lstStyle/>
+            <a:p>
+              <a:endParaRPr lang="en-US"/>
+            </a:p>
+          </p:txBody>
+        </p:sp>
+      </p:grpSp>
+      <p:sp>
+        <p:nvSpPr>
+          <p:cNvPr id="3" name="Footer Placeholder 2">
+            <a:extLst>
+              <a:ext uri="{FF2B5EF4-FFF2-40B4-BE49-F238E27FC236}">
+                <a16:creationId xmlns:a16="http://schemas.microsoft.com/office/drawing/2014/main" id="{0E1D8A52-DBF7-4A82-94A4-6C0992A9A6EF}"/>
+              </a:ext>
+            </a:extLst>
+          </p:cNvPr>
+          <p:cNvSpPr>
+            <a:spLocks noGrp="1"/>
+          </p:cNvSpPr>
+          <p:nvPr>
+            <p:ph type="ftr" sz="quarter" idx="11"/>
+          </p:nvPr>
+        </p:nvSpPr>
+        <p:spPr>
+          <a:xfrm>
+            <a:off x="7055897" y="405350"/>
+            <a:ext cx="4776711" cy="365125"/>
+          </a:xfrm>
+        </p:spPr>
+        <p:txBody>
+          <a:bodyPr vert="horz" lIns="91440" tIns="45720" rIns="91440" bIns="45720" rtlCol="0" anchor="ctr">
+            <a:normAutofit/>
+          </a:bodyPr>
+          <a:lstStyle/>
+          <a:p>
+            <a:pPr algn="r">
+              <a:spcAft>
+                <a:spcPts val="600"/>
+              </a:spcAft>
+            </a:pPr>
+            <a:r>
+              <a:rPr lang="en-US" sz="1100" kern="1200">
+                <a:solidFill>
+                  <a:schemeClr val="tx1">
+                    <a:alpha val="80000"/>
+                  </a:schemeClr>
+                </a:solidFill>
+                <a:latin typeface="+mn-lt"/>
+                <a:ea typeface="+mn-ea"/>
+                <a:cs typeface="+mn-cs"/>
+              </a:rPr>
+              <a:t>Mike Nguyen</a:t>
+            </a:r>
+          </a:p>
+        </p:txBody>
+      </p:sp>
+      <p:sp>
+        <p:nvSpPr>
+          <p:cNvPr id="18" name="Google Shape;92;p2">
+            <a:extLst>
+              <a:ext uri="{FF2B5EF4-FFF2-40B4-BE49-F238E27FC236}">
+                <a16:creationId xmlns:a16="http://schemas.microsoft.com/office/drawing/2014/main" id="{EC3CFE1F-BB10-4742-A5A8-7E473DA0E117}"/>
+              </a:ext>
+            </a:extLst>
+          </p:cNvPr>
+          <p:cNvSpPr txBox="1"/>
+          <p:nvPr/>
+        </p:nvSpPr>
+        <p:spPr>
+          <a:xfrm>
+            <a:off x="767290" y="3383121"/>
+            <a:ext cx="3582072" cy="2793251"/>
+          </a:xfrm>
+          <a:prstGeom prst="rect">
+            <a:avLst/>
+          </a:prstGeom>
+        </p:spPr>
+        <p:txBody>
+          <a:bodyPr spcFirstLastPara="1" vert="horz" lIns="91440" tIns="45720" rIns="91440" bIns="45720" rtlCol="0" anchor="t" anchorCtr="0">
+            <a:normAutofit/>
+          </a:bodyPr>
+          <a:lstStyle>
+            <a:defPPr marR="0" lvl="0" algn="l" rtl="0">
+              <a:lnSpc>
+                <a:spcPct val="100000"/>
+              </a:lnSpc>
+              <a:spcBef>
+                <a:spcPts val="0"/>
+              </a:spcBef>
+              <a:spcAft>
+                <a:spcPts val="0"/>
+              </a:spcAft>
+            </a:defPPr>
+            <a:lvl1pPr marR="0" lvl="0" algn="l" rtl="0">
+              <a:lnSpc>
+                <a:spcPct val="100000"/>
+              </a:lnSpc>
+              <a:spcBef>
+                <a:spcPts val="0"/>
+              </a:spcBef>
+              <a:spcAft>
+                <a:spcPts val="0"/>
+              </a:spcAft>
+              <a:buClr>
+                <a:srgbClr val="000000"/>
+              </a:buClr>
+              <a:buFont typeface="Arial"/>
+              <a:defRPr sz="1400" b="0" i="0" u="none" strike="noStrike" cap="none">
+                <a:solidFill>
+                  <a:srgbClr val="000000"/>
+                </a:solidFill>
+                <a:latin typeface="Arial"/>
+                <a:ea typeface="Arial"/>
+                <a:cs typeface="Arial"/>
+                <a:sym typeface="Arial"/>
+              </a:defRPr>
+            </a:lvl1pPr>
+            <a:lvl2pPr marR="0" lvl="1" algn="l" rtl="0">
+              <a:lnSpc>
+                <a:spcPct val="100000"/>
+              </a:lnSpc>
+              <a:spcBef>
+                <a:spcPts val="0"/>
+              </a:spcBef>
+              <a:spcAft>
+                <a:spcPts val="0"/>
+              </a:spcAft>
+              <a:buClr>
+                <a:srgbClr val="000000"/>
+              </a:buClr>
+              <a:buFont typeface="Arial"/>
+              <a:defRPr sz="1400" b="0" i="0" u="none" strike="noStrike" cap="none">
+                <a:solidFill>
+                  <a:srgbClr val="000000"/>
+                </a:solidFill>
+                <a:latin typeface="Arial"/>
+                <a:ea typeface="Arial"/>
+                <a:cs typeface="Arial"/>
+                <a:sym typeface="Arial"/>
+              </a:defRPr>
+            </a:lvl2pPr>
+            <a:lvl3pPr marR="0" lvl="2" algn="l" rtl="0">
+              <a:lnSpc>
+                <a:spcPct val="100000"/>
+              </a:lnSpc>
+              <a:spcBef>
+                <a:spcPts val="0"/>
+              </a:spcBef>
+              <a:spcAft>
+                <a:spcPts val="0"/>
+              </a:spcAft>
+              <a:buClr>
+                <a:srgbClr val="000000"/>
+              </a:buClr>
+              <a:buFont typeface="Arial"/>
+              <a:defRPr sz="1400" b="0" i="0" u="none" strike="noStrike" cap="none">
+                <a:solidFill>
+                  <a:srgbClr val="000000"/>
+                </a:solidFill>
+                <a:latin typeface="Arial"/>
+                <a:ea typeface="Arial"/>
+                <a:cs typeface="Arial"/>
+                <a:sym typeface="Arial"/>
+              </a:defRPr>
+            </a:lvl3pPr>
+            <a:lvl4pPr marR="0" lvl="3" algn="l" rtl="0">
+              <a:lnSpc>
+                <a:spcPct val="100000"/>
+              </a:lnSpc>
+              <a:spcBef>
+                <a:spcPts val="0"/>
+              </a:spcBef>
+              <a:spcAft>
+                <a:spcPts val="0"/>
+              </a:spcAft>
+              <a:buClr>
+                <a:srgbClr val="000000"/>
+              </a:buClr>
+              <a:buFont typeface="Arial"/>
+              <a:defRPr sz="1400" b="0" i="0" u="none" strike="noStrike" cap="none">
+                <a:solidFill>
+                  <a:srgbClr val="000000"/>
+                </a:solidFill>
+                <a:latin typeface="Arial"/>
+                <a:ea typeface="Arial"/>
+                <a:cs typeface="Arial"/>
+                <a:sym typeface="Arial"/>
+              </a:defRPr>
+            </a:lvl4pPr>
+            <a:lvl5pPr marR="0" lvl="4" algn="l" rtl="0">
+              <a:lnSpc>
+                <a:spcPct val="100000"/>
+              </a:lnSpc>
+              <a:spcBef>
+                <a:spcPts val="0"/>
+              </a:spcBef>
+              <a:spcAft>
+                <a:spcPts val="0"/>
+              </a:spcAft>
+              <a:buClr>
+                <a:srgbClr val="000000"/>
+              </a:buClr>
+              <a:buFont typeface="Arial"/>
+              <a:defRPr sz="1400" b="0" i="0" u="none" strike="noStrike" cap="none">
+                <a:solidFill>
+                  <a:srgbClr val="000000"/>
+                </a:solidFill>
+                <a:latin typeface="Arial"/>
+                <a:ea typeface="Arial"/>
+                <a:cs typeface="Arial"/>
+                <a:sym typeface="Arial"/>
+              </a:defRPr>
+            </a:lvl5pPr>
+            <a:lvl6pPr marR="0" lvl="5" algn="l" rtl="0">
+              <a:lnSpc>
+                <a:spcPct val="100000"/>
+              </a:lnSpc>
+              <a:spcBef>
+                <a:spcPts val="0"/>
+              </a:spcBef>
+              <a:spcAft>
+                <a:spcPts val="0"/>
+              </a:spcAft>
+              <a:buClr>
+                <a:srgbClr val="000000"/>
+              </a:buClr>
+              <a:buFont typeface="Arial"/>
+              <a:defRPr sz="1400" b="0" i="0" u="none" strike="noStrike" cap="none">
+                <a:solidFill>
+                  <a:srgbClr val="000000"/>
+                </a:solidFill>
+                <a:latin typeface="Arial"/>
+                <a:ea typeface="Arial"/>
+                <a:cs typeface="Arial"/>
+                <a:sym typeface="Arial"/>
+              </a:defRPr>
+            </a:lvl6pPr>
+            <a:lvl7pPr marR="0" lvl="6" algn="l" rtl="0">
+              <a:lnSpc>
+                <a:spcPct val="100000"/>
+              </a:lnSpc>
+              <a:spcBef>
+                <a:spcPts val="0"/>
+              </a:spcBef>
+              <a:spcAft>
+                <a:spcPts val="0"/>
+              </a:spcAft>
+              <a:buClr>
+                <a:srgbClr val="000000"/>
+              </a:buClr>
+              <a:buFont typeface="Arial"/>
+              <a:defRPr sz="1400" b="0" i="0" u="none" strike="noStrike" cap="none">
+                <a:solidFill>
+                  <a:srgbClr val="000000"/>
+                </a:solidFill>
+                <a:latin typeface="Arial"/>
+                <a:ea typeface="Arial"/>
+                <a:cs typeface="Arial"/>
+                <a:sym typeface="Arial"/>
+              </a:defRPr>
+            </a:lvl7pPr>
+            <a:lvl8pPr marR="0" lvl="7" algn="l" rtl="0">
+              <a:lnSpc>
+                <a:spcPct val="100000"/>
+              </a:lnSpc>
+              <a:spcBef>
+                <a:spcPts val="0"/>
+              </a:spcBef>
+              <a:spcAft>
+                <a:spcPts val="0"/>
+              </a:spcAft>
+              <a:buClr>
+                <a:srgbClr val="000000"/>
+              </a:buClr>
+              <a:buFont typeface="Arial"/>
+              <a:defRPr sz="1400" b="0" i="0" u="none" strike="noStrike" cap="none">
+                <a:solidFill>
+                  <a:srgbClr val="000000"/>
+                </a:solidFill>
+                <a:latin typeface="Arial"/>
+                <a:ea typeface="Arial"/>
+                <a:cs typeface="Arial"/>
+                <a:sym typeface="Arial"/>
+              </a:defRPr>
+            </a:lvl8pPr>
+            <a:lvl9pPr marR="0" lvl="8" algn="l" rtl="0">
+              <a:lnSpc>
+                <a:spcPct val="100000"/>
+              </a:lnSpc>
+              <a:spcBef>
+                <a:spcPts val="0"/>
+              </a:spcBef>
+              <a:spcAft>
+                <a:spcPts val="0"/>
+              </a:spcAft>
+              <a:buClr>
+                <a:srgbClr val="000000"/>
+              </a:buClr>
+              <a:buFont typeface="Arial"/>
+              <a:defRPr sz="1400" b="0" i="0" u="none" strike="noStrike" cap="none">
+                <a:solidFill>
+                  <a:srgbClr val="000000"/>
+                </a:solidFill>
+                <a:latin typeface="Arial"/>
+                <a:ea typeface="Arial"/>
+                <a:cs typeface="Arial"/>
+                <a:sym typeface="Arial"/>
+              </a:defRPr>
+            </a:lvl9pPr>
+          </a:lstStyle>
+          <a:p>
+            <a:pPr marL="0" marR="0" lvl="0" indent="-228600">
+              <a:lnSpc>
+                <a:spcPct val="90000"/>
+              </a:lnSpc>
+              <a:spcBef>
+                <a:spcPts val="0"/>
+              </a:spcBef>
+              <a:spcAft>
+                <a:spcPts val="600"/>
+              </a:spcAft>
+              <a:buFont typeface="Arial" panose="020B0604020202020204" pitchFamily="34" charset="0"/>
+              <a:buChar char="•"/>
+            </a:pPr>
+            <a:r>
+              <a:rPr lang="en-US" sz="2000" b="1">
+                <a:solidFill>
+                  <a:schemeClr val="bg1"/>
+                </a:solidFill>
+                <a:latin typeface="+mn-lt"/>
+                <a:ea typeface="+mn-ea"/>
+                <a:cs typeface="+mn-cs"/>
+                <a:sym typeface="Arial"/>
+              </a:rPr>
+              <a:t>iCliker</a:t>
+            </a:r>
+            <a:r>
+              <a:rPr lang="en-US" sz="2000" b="1" dirty="0">
+                <a:solidFill>
+                  <a:schemeClr val="bg1"/>
+                </a:solidFill>
+                <a:latin typeface="+mn-lt"/>
+                <a:ea typeface="+mn-ea"/>
+                <a:cs typeface="+mn-cs"/>
+              </a:rPr>
+              <a:t> -  write your answer in 2-3 sentences on iClicker</a:t>
+            </a:r>
+          </a:p>
+        </p:txBody>
+      </p:sp>
+      <p:pic>
+        <p:nvPicPr>
+          <p:cNvPr id="5" name="Google Shape;91;p2" descr="Text, letter&#10;&#10;Description automatically generated">
+            <a:extLst>
+              <a:ext uri="{FF2B5EF4-FFF2-40B4-BE49-F238E27FC236}">
+                <a16:creationId xmlns:a16="http://schemas.microsoft.com/office/drawing/2014/main" id="{6104834E-D15D-4EC9-B244-9CC7F4501B79}"/>
+              </a:ext>
+            </a:extLst>
+          </p:cNvPr>
+          <p:cNvPicPr preferRelativeResize="0"/>
+          <p:nvPr/>
+        </p:nvPicPr>
+        <p:blipFill rotWithShape="1">
+          <a:blip r:embed="rId3"/>
+          <a:stretch/>
+        </p:blipFill>
+        <p:spPr>
+          <a:xfrm>
+            <a:off x="5116652" y="1196943"/>
+            <a:ext cx="6642532" cy="3885880"/>
+          </a:xfrm>
+          <a:prstGeom prst="rect">
+            <a:avLst/>
+          </a:prstGeom>
+          <a:noFill/>
+        </p:spPr>
+      </p:pic>
+      <p:sp>
+        <p:nvSpPr>
+          <p:cNvPr id="6" name="Slide Number Placeholder 5">
+            <a:extLst>
+              <a:ext uri="{FF2B5EF4-FFF2-40B4-BE49-F238E27FC236}">
+                <a16:creationId xmlns:a16="http://schemas.microsoft.com/office/drawing/2014/main" id="{9E6819D4-422E-456D-B5CF-960A509F062C}"/>
+              </a:ext>
+            </a:extLst>
+          </p:cNvPr>
+          <p:cNvSpPr>
+            <a:spLocks noGrp="1"/>
+          </p:cNvSpPr>
+          <p:nvPr>
+            <p:ph type="sldNum" sz="quarter" idx="12"/>
+          </p:nvPr>
+        </p:nvSpPr>
+        <p:spPr>
+          <a:xfrm>
+            <a:off x="11146536" y="6035040"/>
+            <a:ext cx="548640" cy="548640"/>
+          </a:xfrm>
+          <a:prstGeom prst="ellipse">
+            <a:avLst/>
+          </a:prstGeom>
+          <a:solidFill>
+            <a:schemeClr val="tx1">
+              <a:alpha val="80000"/>
+            </a:schemeClr>
+          </a:solidFill>
+        </p:spPr>
+        <p:txBody>
+          <a:bodyPr vert="horz" lIns="91440" tIns="45720" rIns="91440" bIns="45720" rtlCol="0" anchor="ctr">
+            <a:normAutofit/>
+          </a:bodyPr>
+          <a:lstStyle/>
+          <a:p>
+            <a:pPr algn="ctr">
+              <a:spcAft>
+                <a:spcPts val="600"/>
+              </a:spcAft>
+            </a:pPr>
+            <a:fld id="{A6AF1B4E-90EC-4A51-B6E5-B702C054ECB0}" type="slidenum">
+              <a:rPr lang="en-US">
+                <a:solidFill>
+                  <a:schemeClr val="bg1"/>
+                </a:solidFill>
+              </a:rPr>
+              <a:pPr algn="ctr">
+                <a:spcAft>
+                  <a:spcPts val="600"/>
+                </a:spcAft>
+              </a:pPr>
+              <a:t>24</a:t>
+            </a:fld>
+            <a:endParaRPr lang="en-US">
+              <a:solidFill>
+                <a:schemeClr val="bg1"/>
+              </a:solidFill>
+            </a:endParaRPr>
+          </a:p>
+        </p:txBody>
+      </p:sp>
+    </p:spTree>
+    <p:extLst>
+      <p:ext uri="{BB962C8B-B14F-4D97-AF65-F5344CB8AC3E}">
+        <p14:creationId xmlns:p14="http://schemas.microsoft.com/office/powerpoint/2010/main" val="3672587351"/>
+      </p:ext>
+    </p:extLst>
+  </p:cSld>
+  <p:clrMapOvr>
+    <a:masterClrMapping/>
+  </p:clrMapOvr>
+</p:sld>
+</file>
+
+<file path=ppt/slides/slide25.xml><?xml version="1.0" encoding="utf-8"?>
 <p:sld xmlns:a="http://schemas.openxmlformats.org/drawingml/2006/main" xmlns:r="http://schemas.openxmlformats.org/officeDocument/2006/relationships" xmlns:p="http://schemas.openxmlformats.org/presentationml/2006/main">
   <p:cSld>
     <p:spTree>
@@ -9198,20 +10355,20 @@
 </file>
 
 <file path=customXml/item1.xml><?xml version="1.0" encoding="utf-8"?>
-<p:properties xmlns:p="http://schemas.microsoft.com/office/2006/metadata/properties" xmlns:xsi="http://www.w3.org/2001/XMLSchema-instance" xmlns:pc="http://schemas.microsoft.com/office/infopath/2007/PartnerControls">
-  <documentManagement>
-    <MediaServiceKeyPoints xmlns="71af3243-3dd4-4a8d-8c0d-dd76da1f02a5" xsi:nil="true"/>
-  </documentManagement>
-</p:properties>
-</file>
-
-<file path=customXml/item2.xml><?xml version="1.0" encoding="utf-8"?>
 <?mso-contentType ?>
 <FormTemplates xmlns="http://schemas.microsoft.com/sharepoint/v3/contenttype/forms">
   <Display>DocumentLibraryForm</Display>
   <Edit>DocumentLibraryForm</Edit>
   <New>DocumentLibraryForm</New>
 </FormTemplates>
+</file>
+
+<file path=customXml/item2.xml><?xml version="1.0" encoding="utf-8"?>
+<p:properties xmlns:p="http://schemas.microsoft.com/office/2006/metadata/properties" xmlns:xsi="http://www.w3.org/2001/XMLSchema-instance" xmlns:pc="http://schemas.microsoft.com/office/infopath/2007/PartnerControls">
+  <documentManagement>
+    <MediaServiceKeyPoints xmlns="71af3243-3dd4-4a8d-8c0d-dd76da1f02a5" xsi:nil="true"/>
+  </documentManagement>
+</p:properties>
 </file>
 
 <file path=customXml/item3.xml><?xml version="1.0" encoding="utf-8"?>
@@ -9426,19 +10583,19 @@
 </file>
 
 <file path=customXml/itemProps1.xml><?xml version="1.0" encoding="utf-8"?>
+<ds:datastoreItem xmlns:ds="http://schemas.openxmlformats.org/officeDocument/2006/customXml" ds:itemID="{5CA875DA-F9FD-4F83-A049-3B1027B542DE}">
+  <ds:schemaRefs>
+    <ds:schemaRef ds:uri="http://schemas.microsoft.com/sharepoint/v3/contenttype/forms"/>
+  </ds:schemaRefs>
+</ds:datastoreItem>
+</file>
+
+<file path=customXml/itemProps2.xml><?xml version="1.0" encoding="utf-8"?>
 <ds:datastoreItem xmlns:ds="http://schemas.openxmlformats.org/officeDocument/2006/customXml" ds:itemID="{03C7D9E6-B0D9-433E-BD46-EB60F64F4DA8}">
   <ds:schemaRefs>
     <ds:schemaRef ds:uri="http://schemas.microsoft.com/office/2006/metadata/properties"/>
     <ds:schemaRef ds:uri="http://schemas.microsoft.com/office/infopath/2007/PartnerControls"/>
     <ds:schemaRef ds:uri="71af3243-3dd4-4a8d-8c0d-dd76da1f02a5"/>
-  </ds:schemaRefs>
-</ds:datastoreItem>
-</file>
-
-<file path=customXml/itemProps2.xml><?xml version="1.0" encoding="utf-8"?>
-<ds:datastoreItem xmlns:ds="http://schemas.openxmlformats.org/officeDocument/2006/customXml" ds:itemID="{5CA875DA-F9FD-4F83-A049-3B1027B542DE}">
-  <ds:schemaRefs>
-    <ds:schemaRef ds:uri="http://schemas.microsoft.com/sharepoint/v3/contenttype/forms"/>
   </ds:schemaRefs>
 </ds:datastoreItem>
 </file>

--- a/lectures/3/Information Systems, Dashboards & Data Analytics.pptx
+++ b/lectures/3/Information Systems, Dashboards & Data Analytics.pptx
@@ -3646,8 +3646,8 @@
         <a:lstStyle/>
         <a:p>
           <a:r>
-            <a:rPr lang="en-US"/>
-            <a:t>Analytic skills </a:t>
+            <a:rPr lang="en-US" dirty="0"/>
+            <a:t>Analytical skills </a:t>
           </a:r>
         </a:p>
       </dgm:t>
@@ -5219,8 +5219,8 @@
             <a:buNone/>
           </a:pPr>
           <a:r>
-            <a:rPr lang="en-US" sz="2500" kern="1200"/>
-            <a:t>Analytic skills </a:t>
+            <a:rPr lang="en-US" sz="2500" kern="1200" dirty="0"/>
+            <a:t>Analytical skills </a:t>
           </a:r>
         </a:p>
       </dsp:txBody>
@@ -9325,7 +9325,7 @@
           <a:p>
             <a:fld id="{73B2889B-A0AC-4482-8592-5C96F2309420}" type="datetimeFigureOut">
               <a:rPr lang="en-US" smtClean="0"/>
-              <a:t>9/7/2021</a:t>
+              <a:t>9/8/2021</a:t>
             </a:fld>
             <a:endParaRPr lang="en-US"/>
           </a:p>
@@ -9502,7 +9502,7 @@
           <a:p>
             <a:fld id="{830EB223-FFC0-462A-A3B8-EAA7CE0F8CBD}" type="datetimeFigureOut">
               <a:rPr lang="en-US" smtClean="0"/>
-              <a:t>9/7/2021</a:t>
+              <a:t>9/8/2021</a:t>
             </a:fld>
             <a:endParaRPr lang="en-US" dirty="0"/>
           </a:p>
@@ -12750,7 +12750,7 @@
           <a:p>
             <a:fld id="{80550A73-2B4E-4929-B8DF-7138D6F7260F}" type="datetime1">
               <a:rPr lang="en-US" smtClean="0"/>
-              <a:t>9/7/2021</a:t>
+              <a:t>9/8/2021</a:t>
             </a:fld>
             <a:endParaRPr lang="en-US" dirty="0"/>
           </a:p>
@@ -12952,7 +12952,7 @@
           <a:p>
             <a:fld id="{01028625-83B2-4E84-8A46-D0F4A8727A9E}" type="datetime1">
               <a:rPr lang="en-US" smtClean="0"/>
-              <a:t>9/7/2021</a:t>
+              <a:t>9/8/2021</a:t>
             </a:fld>
             <a:endParaRPr lang="en-US" dirty="0"/>
           </a:p>
@@ -13164,7 +13164,7 @@
           <a:p>
             <a:fld id="{B9402276-CDDE-4077-BD49-9E25CB29DCE3}" type="datetime1">
               <a:rPr lang="en-US" smtClean="0"/>
-              <a:t>9/7/2021</a:t>
+              <a:t>9/8/2021</a:t>
             </a:fld>
             <a:endParaRPr lang="en-US" dirty="0"/>
           </a:p>
@@ -13366,7 +13366,7 @@
           <a:p>
             <a:fld id="{FF5D1DFC-C791-4997-BECF-09F80398C9DB}" type="datetime1">
               <a:rPr lang="en-US" smtClean="0"/>
-              <a:t>9/7/2021</a:t>
+              <a:t>9/8/2021</a:t>
             </a:fld>
             <a:endParaRPr lang="en-US" dirty="0"/>
           </a:p>
@@ -13645,7 +13645,7 @@
           <a:p>
             <a:fld id="{790911EB-61AA-4FA5-9434-3F9656DB3E71}" type="datetime1">
               <a:rPr lang="en-US" smtClean="0"/>
-              <a:t>9/7/2021</a:t>
+              <a:t>9/8/2021</a:t>
             </a:fld>
             <a:endParaRPr lang="en-US" dirty="0"/>
           </a:p>
@@ -13914,7 +13914,7 @@
           <a:p>
             <a:fld id="{6571A58D-DB20-4232-A7BF-E1542AA1D217}" type="datetime1">
               <a:rPr lang="en-US" smtClean="0"/>
-              <a:t>9/7/2021</a:t>
+              <a:t>9/8/2021</a:t>
             </a:fld>
             <a:endParaRPr lang="en-US" dirty="0"/>
           </a:p>
@@ -14330,7 +14330,7 @@
           <a:p>
             <a:fld id="{09E6CFC3-797E-4C43-AC4A-9EA40911BE3A}" type="datetime1">
               <a:rPr lang="en-US" smtClean="0"/>
-              <a:t>9/7/2021</a:t>
+              <a:t>9/8/2021</a:t>
             </a:fld>
             <a:endParaRPr lang="en-US" dirty="0"/>
           </a:p>
@@ -14475,7 +14475,7 @@
           <a:p>
             <a:fld id="{9D5D29C7-E268-4B09-9EA0-1CBCD0C2FB18}" type="datetime1">
               <a:rPr lang="en-US" smtClean="0"/>
-              <a:t>9/7/2021</a:t>
+              <a:t>9/8/2021</a:t>
             </a:fld>
             <a:endParaRPr lang="en-US" dirty="0"/>
           </a:p>
@@ -14592,7 +14592,7 @@
           <a:p>
             <a:fld id="{B62C24B3-A815-494A-8D5E-9AA02E7F066D}" type="datetime1">
               <a:rPr lang="en-US" smtClean="0"/>
-              <a:t>9/7/2021</a:t>
+              <a:t>9/8/2021</a:t>
             </a:fld>
             <a:endParaRPr lang="en-US" dirty="0"/>
           </a:p>
@@ -14907,7 +14907,7 @@
           <a:p>
             <a:fld id="{3B6145B2-FA71-4617-A341-A8B7E99D15BE}" type="datetime1">
               <a:rPr lang="en-US" smtClean="0"/>
-              <a:t>9/7/2021</a:t>
+              <a:t>9/8/2021</a:t>
             </a:fld>
             <a:endParaRPr lang="en-US" dirty="0"/>
           </a:p>
@@ -15203,7 +15203,7 @@
           <a:p>
             <a:fld id="{E2612574-89EB-4971-8843-D2064C5BA652}" type="datetime1">
               <a:rPr lang="en-US" smtClean="0"/>
-              <a:t>9/7/2021</a:t>
+              <a:t>9/8/2021</a:t>
             </a:fld>
             <a:endParaRPr lang="en-US" dirty="0"/>
           </a:p>
@@ -15448,7 +15448,7 @@
           <a:p>
             <a:fld id="{7803D762-7AB1-4F2A-8B20-2C95C37F27B8}" type="datetime1">
               <a:rPr lang="en-US" smtClean="0"/>
-              <a:t>9/7/2021</a:t>
+              <a:t>9/8/2021</a:t>
             </a:fld>
             <a:endParaRPr lang="en-US" dirty="0"/>
           </a:p>
@@ -17480,7 +17480,7 @@
           <a:p>
             <a:r>
               <a:rPr lang="en-US" sz="2200" dirty="0"/>
-              <a:t>Information collected specially for the investigation at hand </a:t>
+              <a:t>Information collected specifically for the investigation at hand </a:t>
             </a:r>
           </a:p>
         </p:txBody>
@@ -18175,8 +18175,8 @@
           <a:lstStyle/>
           <a:p>
             <a:r>
-              <a:rPr lang="en-US" sz="2200"/>
-              <a:t>Data that have already been collected, often for some other purpose or by some other organization </a:t>
+              <a:rPr lang="en-US" sz="2200" dirty="0"/>
+              <a:t>Data that have already been collected, often for some other purposes or by some other organization </a:t>
             </a:r>
           </a:p>
         </p:txBody>
@@ -30631,7 +30631,7 @@
             <p:ph idx="1"/>
             <p:extLst>
               <p:ext uri="{D42A27DB-BD31-4B8C-83A1-F6EECF244321}">
-                <p14:modId xmlns:p14="http://schemas.microsoft.com/office/powerpoint/2010/main" val="3418349850"/>
+                <p14:modId xmlns:p14="http://schemas.microsoft.com/office/powerpoint/2010/main" val="905261337"/>
               </p:ext>
             </p:extLst>
           </p:nvPr>
@@ -36723,6 +36723,23 @@
 </file>
 
 <file path=customXml/item1.xml><?xml version="1.0" encoding="utf-8"?>
+<?mso-contentType ?>
+<FormTemplates xmlns="http://schemas.microsoft.com/sharepoint/v3/contenttype/forms">
+  <Display>DocumentLibraryForm</Display>
+  <Edit>DocumentLibraryForm</Edit>
+  <New>DocumentLibraryForm</New>
+</FormTemplates>
+</file>
+
+<file path=customXml/item2.xml><?xml version="1.0" encoding="utf-8"?>
+<p:properties xmlns:p="http://schemas.microsoft.com/office/2006/metadata/properties" xmlns:xsi="http://www.w3.org/2001/XMLSchema-instance" xmlns:pc="http://schemas.microsoft.com/office/infopath/2007/PartnerControls">
+  <documentManagement>
+    <MediaServiceKeyPoints xmlns="71af3243-3dd4-4a8d-8c0d-dd76da1f02a5" xsi:nil="true"/>
+  </documentManagement>
+</p:properties>
+</file>
+
+<file path=customXml/item3.xml><?xml version="1.0" encoding="utf-8"?>
 <ct:contentTypeSchema xmlns:ct="http://schemas.microsoft.com/office/2006/metadata/contentType" xmlns:ma="http://schemas.microsoft.com/office/2006/metadata/properties/metaAttributes" ct:_="" ma:_="" ma:contentTypeName="Document" ma:contentTypeID="0x01010079F111ED35F8CC479449609E8A0923A6" ma:contentTypeVersion="11" ma:contentTypeDescription="Create a new document." ma:contentTypeScope="" ma:versionID="96291512c1ee715ab617f4c07df79fc1">
   <xsd:schema xmlns:xsd="http://www.w3.org/2001/XMLSchema" xmlns:xs="http://www.w3.org/2001/XMLSchema" xmlns:p="http://schemas.microsoft.com/office/2006/metadata/properties" xmlns:ns2="71af3243-3dd4-4a8d-8c0d-dd76da1f02a5" xmlns:ns3="16c05727-aa75-4e4a-9b5f-8a80a1165891" targetNamespace="http://schemas.microsoft.com/office/2006/metadata/properties" ma:root="true" ma:fieldsID="8256c27c40ca5c40ce1cf6c44f0205df" ns2:_="" ns3:_="">
     <xsd:import namespace="71af3243-3dd4-4a8d-8c0d-dd76da1f02a5"/>
@@ -36933,24 +36950,25 @@
 </ct:contentTypeSchema>
 </file>
 
-<file path=customXml/item2.xml><?xml version="1.0" encoding="utf-8"?>
-<p:properties xmlns:p="http://schemas.microsoft.com/office/2006/metadata/properties" xmlns:xsi="http://www.w3.org/2001/XMLSchema-instance" xmlns:pc="http://schemas.microsoft.com/office/infopath/2007/PartnerControls">
-  <documentManagement>
-    <MediaServiceKeyPoints xmlns="71af3243-3dd4-4a8d-8c0d-dd76da1f02a5" xsi:nil="true"/>
-  </documentManagement>
-</p:properties>
+<file path=customXml/itemProps1.xml><?xml version="1.0" encoding="utf-8"?>
+<ds:datastoreItem xmlns:ds="http://schemas.openxmlformats.org/officeDocument/2006/customXml" ds:itemID="{5CA875DA-F9FD-4F83-A049-3B1027B542DE}">
+  <ds:schemaRefs>
+    <ds:schemaRef ds:uri="http://schemas.microsoft.com/sharepoint/v3/contenttype/forms"/>
+  </ds:schemaRefs>
+</ds:datastoreItem>
 </file>
 
-<file path=customXml/item3.xml><?xml version="1.0" encoding="utf-8"?>
-<?mso-contentType ?>
-<FormTemplates xmlns="http://schemas.microsoft.com/sharepoint/v3/contenttype/forms">
-  <Display>DocumentLibraryForm</Display>
-  <Edit>DocumentLibraryForm</Edit>
-  <New>DocumentLibraryForm</New>
-</FormTemplates>
+<file path=customXml/itemProps2.xml><?xml version="1.0" encoding="utf-8"?>
+<ds:datastoreItem xmlns:ds="http://schemas.openxmlformats.org/officeDocument/2006/customXml" ds:itemID="{03C7D9E6-B0D9-433E-BD46-EB60F64F4DA8}">
+  <ds:schemaRefs>
+    <ds:schemaRef ds:uri="http://schemas.microsoft.com/office/2006/metadata/properties"/>
+    <ds:schemaRef ds:uri="http://schemas.microsoft.com/office/infopath/2007/PartnerControls"/>
+    <ds:schemaRef ds:uri="71af3243-3dd4-4a8d-8c0d-dd76da1f02a5"/>
+  </ds:schemaRefs>
+</ds:datastoreItem>
 </file>
 
-<file path=customXml/itemProps1.xml><?xml version="1.0" encoding="utf-8"?>
+<file path=customXml/itemProps3.xml><?xml version="1.0" encoding="utf-8"?>
 <ds:datastoreItem xmlns:ds="http://schemas.openxmlformats.org/officeDocument/2006/customXml" ds:itemID="{B2AB02E3-5ADF-4BF0-9C1B-35CDF3FE95B0}">
   <ds:schemaRefs>
     <ds:schemaRef ds:uri="http://schemas.microsoft.com/office/2006/metadata/contentType"/>
@@ -36967,22 +36985,4 @@
     <ds:schemaRef ds:uri="http://schemas.microsoft.com/internal/obd"/>
   </ds:schemaRefs>
 </ds:datastoreItem>
-</file>
-
-<file path=customXml/itemProps2.xml><?xml version="1.0" encoding="utf-8"?>
-<ds:datastoreItem xmlns:ds="http://schemas.openxmlformats.org/officeDocument/2006/customXml" ds:itemID="{03C7D9E6-B0D9-433E-BD46-EB60F64F4DA8}">
-  <ds:schemaRefs>
-    <ds:schemaRef ds:uri="http://schemas.microsoft.com/office/2006/metadata/properties"/>
-    <ds:schemaRef ds:uri="http://schemas.microsoft.com/office/infopath/2007/PartnerControls"/>
-    <ds:schemaRef ds:uri="71af3243-3dd4-4a8d-8c0d-dd76da1f02a5"/>
-  </ds:schemaRefs>
-</ds:datastoreItem>
-</file>
-
-<file path=customXml/itemProps3.xml><?xml version="1.0" encoding="utf-8"?>
-<ds:datastoreItem xmlns:ds="http://schemas.openxmlformats.org/officeDocument/2006/customXml" ds:itemID="{5CA875DA-F9FD-4F83-A049-3B1027B542DE}">
-  <ds:schemaRefs>
-    <ds:schemaRef ds:uri="http://schemas.microsoft.com/sharepoint/v3/contenttype/forms"/>
-  </ds:schemaRefs>
-</ds:datastoreItem>
 </file>